--- a/decks/Module5/Explainer Video 1.pptx
+++ b/decks/Module5/Explainer Video 1.pptx
@@ -125,6 +125,11 @@
       </a:defRPr>
     </a:lvl9pPr>
   </p:defaultTextStyle>
+  <p:extLst>
+    <p:ext uri="{EFAFB233-063F-42B5-8137-9DF3F51BA10A}">
+      <p15:sldGuideLst xmlns:p15="http://schemas.microsoft.com/office/powerpoint/2012/main"/>
+    </p:ext>
+  </p:extLst>
 </p:presentation>
 </file>
 
@@ -134,6 +139,110 @@
     <p1510:client id="{ECCF5496-AF3F-1444-BCE0-82382D094248}" v="44" dt="2022-05-13T10:25:03.259"/>
   </p1510:revLst>
 </p1510:revInfo>
+</file>
+
+<file path=ppt/changesInfos/changesInfo1.xml><?xml version="1.0" encoding="utf-8"?>
+<pc:chgInfo xmlns:a="http://schemas.openxmlformats.org/drawingml/2006/main" xmlns:r="http://schemas.openxmlformats.org/officeDocument/2006/relationships" xmlns:ac="http://schemas.microsoft.com/office/drawing/2013/main/command" xmlns:pc="http://schemas.microsoft.com/office/powerpoint/2013/main/command">
+  <pc:docChgLst>
+    <pc:chgData name="Gunnvant Saini" userId="93c4ddfd9869a0cf" providerId="LiveId" clId="{ECCF5496-AF3F-1444-BCE0-82382D094248}"/>
+    <pc:docChg chg="undo custSel modSld">
+      <pc:chgData name="Gunnvant Saini" userId="93c4ddfd9869a0cf" providerId="LiveId" clId="{ECCF5496-AF3F-1444-BCE0-82382D094248}" dt="2022-05-24T10:12:32.326" v="11" actId="33524"/>
+      <pc:docMkLst>
+        <pc:docMk/>
+      </pc:docMkLst>
+      <pc:sldChg chg="modSp mod">
+        <pc:chgData name="Gunnvant Saini" userId="93c4ddfd9869a0cf" providerId="LiveId" clId="{ECCF5496-AF3F-1444-BCE0-82382D094248}" dt="2022-05-24T10:12:30.505" v="6" actId="33524"/>
+        <pc:sldMkLst>
+          <pc:docMk/>
+          <pc:sldMk cId="3139961609" sldId="271"/>
+        </pc:sldMkLst>
+        <pc:spChg chg="mod">
+          <ac:chgData name="Gunnvant Saini" userId="93c4ddfd9869a0cf" providerId="LiveId" clId="{ECCF5496-AF3F-1444-BCE0-82382D094248}" dt="2022-05-24T10:12:30.505" v="6" actId="33524"/>
+          <ac:spMkLst>
+            <pc:docMk/>
+            <pc:sldMk cId="3139961609" sldId="271"/>
+            <ac:spMk id="6" creationId="{7F92C753-A709-5D8A-07DB-F6161F373874}"/>
+          </ac:spMkLst>
+        </pc:spChg>
+      </pc:sldChg>
+      <pc:sldChg chg="modSp mod">
+        <pc:chgData name="Gunnvant Saini" userId="93c4ddfd9869a0cf" providerId="LiveId" clId="{ECCF5496-AF3F-1444-BCE0-82382D094248}" dt="2022-05-24T10:12:30.872" v="7" actId="33524"/>
+        <pc:sldMkLst>
+          <pc:docMk/>
+          <pc:sldMk cId="881852429" sldId="272"/>
+        </pc:sldMkLst>
+        <pc:spChg chg="mod">
+          <ac:chgData name="Gunnvant Saini" userId="93c4ddfd9869a0cf" providerId="LiveId" clId="{ECCF5496-AF3F-1444-BCE0-82382D094248}" dt="2022-05-24T10:12:30.872" v="7" actId="33524"/>
+          <ac:spMkLst>
+            <pc:docMk/>
+            <pc:sldMk cId="881852429" sldId="272"/>
+            <ac:spMk id="6" creationId="{7F92C753-A709-5D8A-07DB-F6161F373874}"/>
+          </ac:spMkLst>
+        </pc:spChg>
+      </pc:sldChg>
+      <pc:sldChg chg="modSp mod">
+        <pc:chgData name="Gunnvant Saini" userId="93c4ddfd9869a0cf" providerId="LiveId" clId="{ECCF5496-AF3F-1444-BCE0-82382D094248}" dt="2022-05-24T10:12:31.158" v="8" actId="33524"/>
+        <pc:sldMkLst>
+          <pc:docMk/>
+          <pc:sldMk cId="2209754662" sldId="273"/>
+        </pc:sldMkLst>
+        <pc:spChg chg="mod">
+          <ac:chgData name="Gunnvant Saini" userId="93c4ddfd9869a0cf" providerId="LiveId" clId="{ECCF5496-AF3F-1444-BCE0-82382D094248}" dt="2022-05-24T10:12:31.158" v="8" actId="33524"/>
+          <ac:spMkLst>
+            <pc:docMk/>
+            <pc:sldMk cId="2209754662" sldId="273"/>
+            <ac:spMk id="6" creationId="{7F92C753-A709-5D8A-07DB-F6161F373874}"/>
+          </ac:spMkLst>
+        </pc:spChg>
+      </pc:sldChg>
+      <pc:sldChg chg="modSp mod">
+        <pc:chgData name="Gunnvant Saini" userId="93c4ddfd9869a0cf" providerId="LiveId" clId="{ECCF5496-AF3F-1444-BCE0-82382D094248}" dt="2022-05-24T10:12:31.484" v="9" actId="33524"/>
+        <pc:sldMkLst>
+          <pc:docMk/>
+          <pc:sldMk cId="2624082798" sldId="274"/>
+        </pc:sldMkLst>
+        <pc:spChg chg="mod">
+          <ac:chgData name="Gunnvant Saini" userId="93c4ddfd9869a0cf" providerId="LiveId" clId="{ECCF5496-AF3F-1444-BCE0-82382D094248}" dt="2022-05-24T10:12:31.484" v="9" actId="33524"/>
+          <ac:spMkLst>
+            <pc:docMk/>
+            <pc:sldMk cId="2624082798" sldId="274"/>
+            <ac:spMk id="8" creationId="{DF8FAF38-2487-88FD-1E8E-E97387D5375C}"/>
+          </ac:spMkLst>
+        </pc:spChg>
+      </pc:sldChg>
+      <pc:sldChg chg="modSp mod">
+        <pc:chgData name="Gunnvant Saini" userId="93c4ddfd9869a0cf" providerId="LiveId" clId="{ECCF5496-AF3F-1444-BCE0-82382D094248}" dt="2022-05-24T10:12:31.893" v="10" actId="33524"/>
+        <pc:sldMkLst>
+          <pc:docMk/>
+          <pc:sldMk cId="3920525680" sldId="275"/>
+        </pc:sldMkLst>
+        <pc:spChg chg="mod">
+          <ac:chgData name="Gunnvant Saini" userId="93c4ddfd9869a0cf" providerId="LiveId" clId="{ECCF5496-AF3F-1444-BCE0-82382D094248}" dt="2022-05-24T10:12:31.893" v="10" actId="33524"/>
+          <ac:spMkLst>
+            <pc:docMk/>
+            <pc:sldMk cId="3920525680" sldId="275"/>
+            <ac:spMk id="8" creationId="{DF8FAF38-2487-88FD-1E8E-E97387D5375C}"/>
+          </ac:spMkLst>
+        </pc:spChg>
+      </pc:sldChg>
+      <pc:sldChg chg="modSp mod">
+        <pc:chgData name="Gunnvant Saini" userId="93c4ddfd9869a0cf" providerId="LiveId" clId="{ECCF5496-AF3F-1444-BCE0-82382D094248}" dt="2022-05-24T10:12:32.326" v="11" actId="33524"/>
+        <pc:sldMkLst>
+          <pc:docMk/>
+          <pc:sldMk cId="1050166094" sldId="276"/>
+        </pc:sldMkLst>
+        <pc:spChg chg="mod">
+          <ac:chgData name="Gunnvant Saini" userId="93c4ddfd9869a0cf" providerId="LiveId" clId="{ECCF5496-AF3F-1444-BCE0-82382D094248}" dt="2022-05-24T10:12:32.326" v="11" actId="33524"/>
+          <ac:spMkLst>
+            <pc:docMk/>
+            <pc:sldMk cId="1050166094" sldId="276"/>
+            <ac:spMk id="8" creationId="{DF8FAF38-2487-88FD-1E8E-E97387D5375C}"/>
+          </ac:spMkLst>
+        </pc:spChg>
+      </pc:sldChg>
+    </pc:docChg>
+  </pc:docChgLst>
+</pc:chgInfo>
 </file>
 
 <file path=ppt/slideLayouts/slideLayout1.xml><?xml version="1.0" encoding="utf-8"?>
@@ -285,7 +394,7 @@
           <a:p>
             <a:fld id="{2D4FC7A5-0CA9-3D43-9764-A1FFCB18A05F}" type="datetimeFigureOut">
               <a:rPr lang="en-US" smtClean="0"/>
-              <a:t>5/13/22</a:t>
+              <a:t>5/24/22</a:t>
             </a:fld>
             <a:endParaRPr lang="en-US"/>
           </a:p>
@@ -485,7 +594,7 @@
           <a:p>
             <a:fld id="{2D4FC7A5-0CA9-3D43-9764-A1FFCB18A05F}" type="datetimeFigureOut">
               <a:rPr lang="en-US" smtClean="0"/>
-              <a:t>5/13/22</a:t>
+              <a:t>5/24/22</a:t>
             </a:fld>
             <a:endParaRPr lang="en-US"/>
           </a:p>
@@ -695,7 +804,7 @@
           <a:p>
             <a:fld id="{2D4FC7A5-0CA9-3D43-9764-A1FFCB18A05F}" type="datetimeFigureOut">
               <a:rPr lang="en-US" smtClean="0"/>
-              <a:t>5/13/22</a:t>
+              <a:t>5/24/22</a:t>
             </a:fld>
             <a:endParaRPr lang="en-US"/>
           </a:p>
@@ -895,7 +1004,7 @@
           <a:p>
             <a:fld id="{2D4FC7A5-0CA9-3D43-9764-A1FFCB18A05F}" type="datetimeFigureOut">
               <a:rPr lang="en-US" smtClean="0"/>
-              <a:t>5/13/22</a:t>
+              <a:t>5/24/22</a:t>
             </a:fld>
             <a:endParaRPr lang="en-US"/>
           </a:p>
@@ -1171,7 +1280,7 @@
           <a:p>
             <a:fld id="{2D4FC7A5-0CA9-3D43-9764-A1FFCB18A05F}" type="datetimeFigureOut">
               <a:rPr lang="en-US" smtClean="0"/>
-              <a:t>5/13/22</a:t>
+              <a:t>5/24/22</a:t>
             </a:fld>
             <a:endParaRPr lang="en-US"/>
           </a:p>
@@ -1439,7 +1548,7 @@
           <a:p>
             <a:fld id="{2D4FC7A5-0CA9-3D43-9764-A1FFCB18A05F}" type="datetimeFigureOut">
               <a:rPr lang="en-US" smtClean="0"/>
-              <a:t>5/13/22</a:t>
+              <a:t>5/24/22</a:t>
             </a:fld>
             <a:endParaRPr lang="en-US"/>
           </a:p>
@@ -1854,7 +1963,7 @@
           <a:p>
             <a:fld id="{2D4FC7A5-0CA9-3D43-9764-A1FFCB18A05F}" type="datetimeFigureOut">
               <a:rPr lang="en-US" smtClean="0"/>
-              <a:t>5/13/22</a:t>
+              <a:t>5/24/22</a:t>
             </a:fld>
             <a:endParaRPr lang="en-US"/>
           </a:p>
@@ -1996,7 +2105,7 @@
           <a:p>
             <a:fld id="{2D4FC7A5-0CA9-3D43-9764-A1FFCB18A05F}" type="datetimeFigureOut">
               <a:rPr lang="en-US" smtClean="0"/>
-              <a:t>5/13/22</a:t>
+              <a:t>5/24/22</a:t>
             </a:fld>
             <a:endParaRPr lang="en-US"/>
           </a:p>
@@ -2109,7 +2218,7 @@
           <a:p>
             <a:fld id="{2D4FC7A5-0CA9-3D43-9764-A1FFCB18A05F}" type="datetimeFigureOut">
               <a:rPr lang="en-US" smtClean="0"/>
-              <a:t>5/13/22</a:t>
+              <a:t>5/24/22</a:t>
             </a:fld>
             <a:endParaRPr lang="en-US"/>
           </a:p>
@@ -2422,7 +2531,7 @@
           <a:p>
             <a:fld id="{2D4FC7A5-0CA9-3D43-9764-A1FFCB18A05F}" type="datetimeFigureOut">
               <a:rPr lang="en-US" smtClean="0"/>
-              <a:t>5/13/22</a:t>
+              <a:t>5/24/22</a:t>
             </a:fld>
             <a:endParaRPr lang="en-US"/>
           </a:p>
@@ -2711,7 +2820,7 @@
           <a:p>
             <a:fld id="{2D4FC7A5-0CA9-3D43-9764-A1FFCB18A05F}" type="datetimeFigureOut">
               <a:rPr lang="en-US" smtClean="0"/>
-              <a:t>5/13/22</a:t>
+              <a:t>5/24/22</a:t>
             </a:fld>
             <a:endParaRPr lang="en-US"/>
           </a:p>
@@ -2954,7 +3063,7 @@
           <a:p>
             <a:fld id="{2D4FC7A5-0CA9-3D43-9764-A1FFCB18A05F}" type="datetimeFigureOut">
               <a:rPr lang="en-US" smtClean="0"/>
-              <a:t>5/13/22</a:t>
+              <a:t>5/24/22</a:t>
             </a:fld>
             <a:endParaRPr lang="en-US"/>
           </a:p>
